--- a/StockMarketPrediction/DL Presentation.pptx
+++ b/StockMarketPrediction/DL Presentation.pptx
@@ -118,6 +118,11 @@
       </a:defRPr>
     </a:lvl9pPr>
   </p:defaultTextStyle>
+  <p:extLst>
+    <p:ext uri="{EFAFB233-063F-42B5-8137-9DF3F51BA10A}">
+      <p15:sldGuideLst xmlns:p15="http://schemas.microsoft.com/office/powerpoint/2012/main"/>
+    </p:ext>
+  </p:extLst>
 </p:presentation>
 </file>
 
@@ -203,7 +208,7 @@
           <a:p>
             <a:fld id="{6707C7AA-521B-44F9-955F-C280AC9B5A75}" type="datetimeFigureOut">
               <a:rPr lang="en-IN" smtClean="0"/>
-              <a:t>22-11-2022</a:t>
+              <a:t>23-10-2023</a:t>
             </a:fld>
             <a:endParaRPr lang="en-IN"/>
           </a:p>
@@ -746,7 +751,7 @@
           <a:p>
             <a:fld id="{18F7F41D-ED11-427B-9343-C6D0D5FA0FD4}" type="datetimeFigureOut">
               <a:rPr lang="en-IN" smtClean="0"/>
-              <a:t>22-11-2022</a:t>
+              <a:t>23-10-2023</a:t>
             </a:fld>
             <a:endParaRPr lang="en-IN"/>
           </a:p>
@@ -1182,7 +1187,7 @@
           <a:p>
             <a:fld id="{18F7F41D-ED11-427B-9343-C6D0D5FA0FD4}" type="datetimeFigureOut">
               <a:rPr lang="en-IN" smtClean="0"/>
-              <a:t>22-11-2022</a:t>
+              <a:t>23-10-2023</a:t>
             </a:fld>
             <a:endParaRPr lang="en-IN"/>
           </a:p>
@@ -1432,7 +1437,7 @@
           <a:p>
             <a:fld id="{18F7F41D-ED11-427B-9343-C6D0D5FA0FD4}" type="datetimeFigureOut">
               <a:rPr lang="en-IN" smtClean="0"/>
-              <a:t>22-11-2022</a:t>
+              <a:t>23-10-2023</a:t>
             </a:fld>
             <a:endParaRPr lang="en-IN"/>
           </a:p>
@@ -1740,7 +1745,7 @@
           <a:p>
             <a:fld id="{18F7F41D-ED11-427B-9343-C6D0D5FA0FD4}" type="datetimeFigureOut">
               <a:rPr lang="en-IN" smtClean="0"/>
-              <a:t>22-11-2022</a:t>
+              <a:t>23-10-2023</a:t>
             </a:fld>
             <a:endParaRPr lang="en-IN"/>
           </a:p>
@@ -2058,7 +2063,7 @@
           <a:p>
             <a:fld id="{18F7F41D-ED11-427B-9343-C6D0D5FA0FD4}" type="datetimeFigureOut">
               <a:rPr lang="en-IN" smtClean="0"/>
-              <a:t>22-11-2022</a:t>
+              <a:t>23-10-2023</a:t>
             </a:fld>
             <a:endParaRPr lang="en-IN"/>
           </a:p>
@@ -2360,7 +2365,7 @@
           <a:p>
             <a:fld id="{18F7F41D-ED11-427B-9343-C6D0D5FA0FD4}" type="datetimeFigureOut">
               <a:rPr lang="en-IN" smtClean="0"/>
-              <a:t>22-11-2022</a:t>
+              <a:t>23-10-2023</a:t>
             </a:fld>
             <a:endParaRPr lang="en-IN"/>
           </a:p>
@@ -2727,7 +2732,7 @@
           <a:p>
             <a:fld id="{18F7F41D-ED11-427B-9343-C6D0D5FA0FD4}" type="datetimeFigureOut">
               <a:rPr lang="en-IN" smtClean="0"/>
-              <a:t>22-11-2022</a:t>
+              <a:t>23-10-2023</a:t>
             </a:fld>
             <a:endParaRPr lang="en-IN"/>
           </a:p>
@@ -2901,7 +2906,7 @@
           <a:p>
             <a:fld id="{18F7F41D-ED11-427B-9343-C6D0D5FA0FD4}" type="datetimeFigureOut">
               <a:rPr lang="en-IN" smtClean="0"/>
-              <a:t>22-11-2022</a:t>
+              <a:t>23-10-2023</a:t>
             </a:fld>
             <a:endParaRPr lang="en-IN"/>
           </a:p>
@@ -3081,7 +3086,7 @@
           <a:p>
             <a:fld id="{18F7F41D-ED11-427B-9343-C6D0D5FA0FD4}" type="datetimeFigureOut">
               <a:rPr lang="en-IN" smtClean="0"/>
-              <a:t>22-11-2022</a:t>
+              <a:t>23-10-2023</a:t>
             </a:fld>
             <a:endParaRPr lang="en-IN"/>
           </a:p>
@@ -3251,7 +3256,7 @@
           <a:p>
             <a:fld id="{18F7F41D-ED11-427B-9343-C6D0D5FA0FD4}" type="datetimeFigureOut">
               <a:rPr lang="en-IN" smtClean="0"/>
-              <a:t>22-11-2022</a:t>
+              <a:t>23-10-2023</a:t>
             </a:fld>
             <a:endParaRPr lang="en-IN"/>
           </a:p>
@@ -3501,7 +3506,7 @@
           <a:p>
             <a:fld id="{18F7F41D-ED11-427B-9343-C6D0D5FA0FD4}" type="datetimeFigureOut">
               <a:rPr lang="en-IN" smtClean="0"/>
-              <a:t>22-11-2022</a:t>
+              <a:t>23-10-2023</a:t>
             </a:fld>
             <a:endParaRPr lang="en-IN"/>
           </a:p>
@@ -3737,7 +3742,7 @@
           <a:p>
             <a:fld id="{18F7F41D-ED11-427B-9343-C6D0D5FA0FD4}" type="datetimeFigureOut">
               <a:rPr lang="en-IN" smtClean="0"/>
-              <a:t>22-11-2022</a:t>
+              <a:t>23-10-2023</a:t>
             </a:fld>
             <a:endParaRPr lang="en-IN"/>
           </a:p>
@@ -4119,7 +4124,7 @@
           <a:p>
             <a:fld id="{18F7F41D-ED11-427B-9343-C6D0D5FA0FD4}" type="datetimeFigureOut">
               <a:rPr lang="en-IN" smtClean="0"/>
-              <a:t>22-11-2022</a:t>
+              <a:t>23-10-2023</a:t>
             </a:fld>
             <a:endParaRPr lang="en-IN"/>
           </a:p>
@@ -4237,7 +4242,7 @@
           <a:p>
             <a:fld id="{18F7F41D-ED11-427B-9343-C6D0D5FA0FD4}" type="datetimeFigureOut">
               <a:rPr lang="en-IN" smtClean="0"/>
-              <a:t>22-11-2022</a:t>
+              <a:t>23-10-2023</a:t>
             </a:fld>
             <a:endParaRPr lang="en-IN"/>
           </a:p>
@@ -4332,7 +4337,7 @@
           <a:p>
             <a:fld id="{18F7F41D-ED11-427B-9343-C6D0D5FA0FD4}" type="datetimeFigureOut">
               <a:rPr lang="en-IN" smtClean="0"/>
-              <a:t>22-11-2022</a:t>
+              <a:t>23-10-2023</a:t>
             </a:fld>
             <a:endParaRPr lang="en-IN"/>
           </a:p>
@@ -4587,7 +4592,7 @@
           <a:p>
             <a:fld id="{18F7F41D-ED11-427B-9343-C6D0D5FA0FD4}" type="datetimeFigureOut">
               <a:rPr lang="en-IN" smtClean="0"/>
-              <a:t>22-11-2022</a:t>
+              <a:t>23-10-2023</a:t>
             </a:fld>
             <a:endParaRPr lang="en-IN"/>
           </a:p>
@@ -4870,7 +4875,7 @@
           <a:p>
             <a:fld id="{18F7F41D-ED11-427B-9343-C6D0D5FA0FD4}" type="datetimeFigureOut">
               <a:rPr lang="en-IN" smtClean="0"/>
-              <a:t>22-11-2022</a:t>
+              <a:t>23-10-2023</a:t>
             </a:fld>
             <a:endParaRPr lang="en-IN"/>
           </a:p>
@@ -5276,7 +5281,7 @@
           <a:p>
             <a:fld id="{18F7F41D-ED11-427B-9343-C6D0D5FA0FD4}" type="datetimeFigureOut">
               <a:rPr lang="en-IN" smtClean="0"/>
-              <a:t>22-11-2022</a:t>
+              <a:t>23-10-2023</a:t>
             </a:fld>
             <a:endParaRPr lang="en-IN"/>
           </a:p>
@@ -5881,33 +5886,7 @@
                   <a:schemeClr val="bg1"/>
                 </a:solidFill>
               </a:rPr>
-              <a:t>Submitted By: Abhinav Sharma</a:t>
-            </a:r>
-          </a:p>
-          <a:p>
-            <a:r>
-              <a:rPr lang="en-IN" b="1" dirty="0">
-                <a:solidFill>
-                  <a:schemeClr val="bg1"/>
-                </a:solidFill>
-              </a:rPr>
-              <a:t>                         </a:t>
-            </a:r>
-            <a:r>
-              <a:rPr lang="en-IN" b="1" dirty="0" err="1">
-                <a:solidFill>
-                  <a:schemeClr val="bg1"/>
-                </a:solidFill>
-              </a:rPr>
-              <a:t>Manushi</a:t>
-            </a:r>
-            <a:r>
-              <a:rPr lang="en-IN" b="1" dirty="0">
-                <a:solidFill>
-                  <a:schemeClr val="bg1"/>
-                </a:solidFill>
-              </a:rPr>
-              <a:t> Shashank </a:t>
+              <a:t>Submitted By: Manushi Shashank </a:t>
             </a:r>
           </a:p>
         </p:txBody>
